--- a/Zajecia3/Zajęcia 3.pptx
+++ b/Zajecia3/Zajęcia 3.pptx
@@ -5,7 +5,7 @@
     <p:sldMasterId id="2147483660" r:id="rId1"/>
   </p:sldMasterIdLst>
   <p:notesMasterIdLst>
-    <p:notesMasterId r:id="rId18"/>
+    <p:notesMasterId r:id="rId19"/>
   </p:notesMasterIdLst>
   <p:sldIdLst>
     <p:sldId id="256" r:id="rId2"/>
@@ -24,6 +24,7 @@
     <p:sldId id="271" r:id="rId15"/>
     <p:sldId id="267" r:id="rId16"/>
     <p:sldId id="270" r:id="rId17"/>
+    <p:sldId id="272" r:id="rId18"/>
   </p:sldIdLst>
   <p:sldSz cx="12192000" cy="6858000"/>
   <p:notesSz cx="6858000" cy="9144000"/>
@@ -7070,11 +7071,17 @@
           <a:p>
             <a:r>
               <a:rPr lang="pl-PL" dirty="0"/>
-              <a:t>Na podstawie diagramu Samochodu, zrobić diagram klas w C#, tak aby zostały użyte zagadnienia </a:t>
+              <a:t>Na podstawie diagramu Samochodu, zrobić diagram klas w C#, tak aby zostały użyte zagadnienia z podsumowania</a:t>
+            </a:r>
+          </a:p>
+          <a:p>
+            <a:r>
+              <a:rPr lang="pl-PL" dirty="0"/>
+              <a:t>Przepisać Metin2 z ostatnich zajęć, tak aby używane było dziedziczenie, a więc, żeby każda klasa postaci dziedziczyła po </a:t>
             </a:r>
             <a:r>
               <a:rPr lang="pl-PL"/>
-              <a:t>z podsumowania</a:t>
+              <a:t>ogólniejszej klasie </a:t>
             </a:r>
           </a:p>
           <a:p>
@@ -7092,6 +7099,93 @@
     <p:extLst>
       <p:ext uri="{BB962C8B-B14F-4D97-AF65-F5344CB8AC3E}">
         <p14:creationId xmlns:p14="http://schemas.microsoft.com/office/powerpoint/2010/main" val="3195073690"/>
+      </p:ext>
+    </p:extLst>
+  </p:cSld>
+  <p:clrMapOvr>
+    <a:masterClrMapping/>
+  </p:clrMapOvr>
+</p:sld>
+</file>
+
+<file path=ppt/slides/slide17.xml><?xml version="1.0" encoding="utf-8"?>
+<p:sld xmlns:a="http://schemas.openxmlformats.org/drawingml/2006/main" xmlns:r="http://schemas.openxmlformats.org/officeDocument/2006/relationships" xmlns:p="http://schemas.openxmlformats.org/presentationml/2006/main">
+  <p:cSld>
+    <p:spTree>
+      <p:nvGrpSpPr>
+        <p:cNvPr id="1" name=""/>
+        <p:cNvGrpSpPr/>
+        <p:nvPr/>
+      </p:nvGrpSpPr>
+      <p:grpSpPr>
+        <a:xfrm>
+          <a:off x="0" y="0"/>
+          <a:ext cx="0" cy="0"/>
+          <a:chOff x="0" y="0"/>
+          <a:chExt cx="0" cy="0"/>
+        </a:xfrm>
+      </p:grpSpPr>
+      <p:sp>
+        <p:nvSpPr>
+          <p:cNvPr id="2" name="Title 1">
+            <a:extLst>
+              <a:ext uri="{FF2B5EF4-FFF2-40B4-BE49-F238E27FC236}">
+                <a16:creationId xmlns:a16="http://schemas.microsoft.com/office/drawing/2014/main" id="{C3E24492-BD85-43A9-8306-25535E90B07D}"/>
+              </a:ext>
+            </a:extLst>
+          </p:cNvPr>
+          <p:cNvSpPr>
+            <a:spLocks noGrp="1"/>
+          </p:cNvSpPr>
+          <p:nvPr>
+            <p:ph type="title"/>
+          </p:nvPr>
+        </p:nvSpPr>
+        <p:spPr/>
+        <p:txBody>
+          <a:bodyPr/>
+          <a:lstStyle/>
+          <a:p>
+            <a:endParaRPr lang="pl-PL"/>
+          </a:p>
+        </p:txBody>
+      </p:sp>
+      <p:pic>
+        <p:nvPicPr>
+          <p:cNvPr id="4" name="Content Placeholder 3">
+            <a:extLst>
+              <a:ext uri="{FF2B5EF4-FFF2-40B4-BE49-F238E27FC236}">
+                <a16:creationId xmlns:a16="http://schemas.microsoft.com/office/drawing/2014/main" id="{C93B27B7-B97A-4633-8B9B-7E1287FC0285}"/>
+              </a:ext>
+            </a:extLst>
+          </p:cNvPr>
+          <p:cNvPicPr>
+            <a:picLocks noGrp="1" noChangeAspect="1"/>
+          </p:cNvPicPr>
+          <p:nvPr>
+            <p:ph idx="1"/>
+          </p:nvPr>
+        </p:nvPicPr>
+        <p:blipFill>
+          <a:blip r:embed="rId2"/>
+          <a:stretch>
+            <a:fillRect/>
+          </a:stretch>
+        </p:blipFill>
+        <p:spPr>
+          <a:xfrm>
+            <a:off x="1405876" y="609600"/>
+            <a:ext cx="7416195" cy="5492620"/>
+          </a:xfrm>
+          <a:prstGeom prst="rect">
+            <a:avLst/>
+          </a:prstGeom>
+        </p:spPr>
+      </p:pic>
+    </p:spTree>
+    <p:extLst>
+      <p:ext uri="{BB962C8B-B14F-4D97-AF65-F5344CB8AC3E}">
+        <p14:creationId xmlns:p14="http://schemas.microsoft.com/office/powerpoint/2010/main" val="4209234782"/>
       </p:ext>
     </p:extLst>
   </p:cSld>
